--- a/basic_new/Module 02 - Python basic types.pptx
+++ b/basic_new/Module 02 - Python basic types.pptx
@@ -15860,27 +15860,27 @@
               <a:buNone/>
             </a:pPr>
             <a:r>
-              <a:rPr lang="en-US" sz="6000" dirty="0">
+              <a:rPr lang="en-US" sz="5400" b="1" dirty="0">
                 <a:latin typeface="Lexend" panose="020B0604020202020204"/>
                 <a:cs typeface="Times New Roman" pitchFamily="18" charset="0"/>
               </a:rPr>
               <a:t>Module 02</a:t>
             </a:r>
             <a:r>
-              <a:rPr lang="he-IL" sz="6000" dirty="0">
+              <a:rPr lang="he-IL" sz="5400" b="1" dirty="0">
                 <a:latin typeface="Lexend" panose="020B0604020202020204"/>
                 <a:cs typeface="Times New Roman" pitchFamily="18" charset="0"/>
               </a:rPr>
               <a:t>-</a:t>
             </a:r>
             <a:r>
-              <a:rPr lang="en-US" sz="6000" dirty="0">
+              <a:rPr lang="en-US" sz="5400" b="1" dirty="0">
                 <a:latin typeface="Lexend" panose="020B0604020202020204"/>
                 <a:cs typeface="Times New Roman" pitchFamily="18" charset="0"/>
               </a:rPr>
               <a:t>Python basic types</a:t>
             </a:r>
-            <a:endParaRPr sz="2400" b="1" i="0" u="none" strike="noStrike" cap="none" dirty="0">
+            <a:endParaRPr sz="2000" b="1" i="0" u="none" strike="noStrike" cap="none" dirty="0">
               <a:solidFill>
                 <a:schemeClr val="tx2">
                   <a:lumMod val="25000"/>
@@ -20220,7 +20220,12 @@
             <p:ph type="body" sz="quarter" idx="13"/>
           </p:nvPr>
         </p:nvSpPr>
-        <p:spPr/>
+        <p:spPr>
+          <a:xfrm>
+            <a:off x="815413" y="1492163"/>
+            <a:ext cx="9731259" cy="4642308"/>
+          </a:xfrm>
+        </p:spPr>
         <p:txBody>
           <a:bodyPr>
             <a:normAutofit fontScale="92500" lnSpcReduction="20000"/>
